--- a/Docker-lecture.pptx
+++ b/Docker-lecture.pptx
@@ -139,7 +139,7 @@
           <p:cNvPr id="2" name="Заголовок 1">
             <a:extLst>
               <a:ext uri="{FF2B5EF4-FFF2-40B4-BE49-F238E27FC236}">
-                <a16:creationId xmlns:a16="http://schemas.microsoft.com/office/drawing/2014/main" id="{F46F8F0B-2AB8-46D7-B745-E03A08E2EBE8}"/>
+                <a16:creationId xmlns:a16="http://schemas.microsoft.com/office/drawing/2014/main" id="{DAF75CCE-183F-4418-99DC-F2F2FBC4DA9D}"/>
               </a:ext>
             </a:extLst>
           </p:cNvPr>
@@ -167,7 +167,7 @@
           <p:cNvPr id="3" name="Дата 2">
             <a:extLst>
               <a:ext uri="{FF2B5EF4-FFF2-40B4-BE49-F238E27FC236}">
-                <a16:creationId xmlns:a16="http://schemas.microsoft.com/office/drawing/2014/main" id="{AA7792CB-BDFA-4A51-BCD9-522E283FC5F2}"/>
+                <a16:creationId xmlns:a16="http://schemas.microsoft.com/office/drawing/2014/main" id="{B6A8125C-1E7B-4989-BAE0-A38067165617}"/>
               </a:ext>
             </a:extLst>
           </p:cNvPr>
@@ -183,7 +183,7 @@
           <a:bodyPr/>
           <a:lstStyle/>
           <a:p>
-            <a:fld id="{23D37FB2-D192-498A-953A-FC1F3F4E11AA}" type="datetimeFigureOut">
+            <a:fld id="{90DD6370-CEB4-41C8-84CB-8A297BB8D440}" type="datetimeFigureOut">
               <a:rPr lang="ru-RU" smtClean="0"/>
               <a:t>25.02.2021</a:t>
             </a:fld>
@@ -196,7 +196,7 @@
           <p:cNvPr id="4" name="Нижний колонтитул 3">
             <a:extLst>
               <a:ext uri="{FF2B5EF4-FFF2-40B4-BE49-F238E27FC236}">
-                <a16:creationId xmlns:a16="http://schemas.microsoft.com/office/drawing/2014/main" id="{E1AA0F36-9995-4466-AEF2-E9A2822966B5}"/>
+                <a16:creationId xmlns:a16="http://schemas.microsoft.com/office/drawing/2014/main" id="{792D12E8-3850-49D8-802E-973AC6DA3AF1}"/>
               </a:ext>
             </a:extLst>
           </p:cNvPr>
@@ -221,7 +221,7 @@
           <p:cNvPr id="5" name="Номер слайда 4">
             <a:extLst>
               <a:ext uri="{FF2B5EF4-FFF2-40B4-BE49-F238E27FC236}">
-                <a16:creationId xmlns:a16="http://schemas.microsoft.com/office/drawing/2014/main" id="{819FE70F-12D4-4854-972A-8961F86E4E79}"/>
+                <a16:creationId xmlns:a16="http://schemas.microsoft.com/office/drawing/2014/main" id="{176791F6-C18A-4161-8E64-80DE71138584}"/>
               </a:ext>
             </a:extLst>
           </p:cNvPr>
@@ -237,7 +237,7 @@
           <a:bodyPr/>
           <a:lstStyle/>
           <a:p>
-            <a:fld id="{C9408EA7-0114-4769-83D6-4476FB1B971A}" type="slidenum">
+            <a:fld id="{795A05BC-47A0-4DF7-BF2B-23CAEC0CAF1F}" type="slidenum">
               <a:rPr lang="ru-RU" smtClean="0"/>
               <a:t>‹#›</a:t>
             </a:fld>
@@ -248,7 +248,7 @@
     </p:spTree>
     <p:extLst>
       <p:ext uri="{BB962C8B-B14F-4D97-AF65-F5344CB8AC3E}">
-        <p14:creationId xmlns:p14="http://schemas.microsoft.com/office/powerpoint/2010/main" val="2530358539"/>
+        <p14:creationId xmlns:p14="http://schemas.microsoft.com/office/powerpoint/2010/main" val="1044840028"/>
       </p:ext>
     </p:extLst>
   </p:cSld>
@@ -285,7 +285,7 @@
           <p:cNvPr id="2" name="Заголовок 1">
             <a:extLst>
               <a:ext uri="{FF2B5EF4-FFF2-40B4-BE49-F238E27FC236}">
-                <a16:creationId xmlns:a16="http://schemas.microsoft.com/office/drawing/2014/main" id="{51BDBCF8-BFDE-4F2A-8A5B-1BF166682F13}"/>
+                <a16:creationId xmlns:a16="http://schemas.microsoft.com/office/drawing/2014/main" id="{CC20933F-6F83-494C-ADBE-82360C7C9BA6}"/>
               </a:ext>
             </a:extLst>
           </p:cNvPr>
@@ -323,7 +323,7 @@
           <p:cNvPr id="3" name="Текст 2">
             <a:extLst>
               <a:ext uri="{FF2B5EF4-FFF2-40B4-BE49-F238E27FC236}">
-                <a16:creationId xmlns:a16="http://schemas.microsoft.com/office/drawing/2014/main" id="{4202DD54-E0AC-4F8F-AAC4-3225277BF6A2}"/>
+                <a16:creationId xmlns:a16="http://schemas.microsoft.com/office/drawing/2014/main" id="{6E4D7AAA-FC34-4969-8686-1E3C9168DD0F}"/>
               </a:ext>
             </a:extLst>
           </p:cNvPr>
@@ -390,7 +390,7 @@
           <p:cNvPr id="4" name="Дата 3">
             <a:extLst>
               <a:ext uri="{FF2B5EF4-FFF2-40B4-BE49-F238E27FC236}">
-                <a16:creationId xmlns:a16="http://schemas.microsoft.com/office/drawing/2014/main" id="{FA3E33B2-025F-41B2-A993-AB2B9E7544F0}"/>
+                <a16:creationId xmlns:a16="http://schemas.microsoft.com/office/drawing/2014/main" id="{11577982-74AD-4BA5-8F57-B3248B5CED56}"/>
               </a:ext>
             </a:extLst>
           </p:cNvPr>
@@ -424,7 +424,7 @@
             </a:lvl1pPr>
           </a:lstStyle>
           <a:p>
-            <a:fld id="{23D37FB2-D192-498A-953A-FC1F3F4E11AA}" type="datetimeFigureOut">
+            <a:fld id="{90DD6370-CEB4-41C8-84CB-8A297BB8D440}" type="datetimeFigureOut">
               <a:rPr lang="ru-RU" smtClean="0"/>
               <a:t>25.02.2021</a:t>
             </a:fld>
@@ -437,7 +437,7 @@
           <p:cNvPr id="5" name="Нижний колонтитул 4">
             <a:extLst>
               <a:ext uri="{FF2B5EF4-FFF2-40B4-BE49-F238E27FC236}">
-                <a16:creationId xmlns:a16="http://schemas.microsoft.com/office/drawing/2014/main" id="{2DAD4004-1843-4494-B7C7-C41971786BD4}"/>
+                <a16:creationId xmlns:a16="http://schemas.microsoft.com/office/drawing/2014/main" id="{A233371D-3D3D-4F1A-AB2A-9776D5020247}"/>
               </a:ext>
             </a:extLst>
           </p:cNvPr>
@@ -480,7 +480,7 @@
           <p:cNvPr id="6" name="Номер слайда 5">
             <a:extLst>
               <a:ext uri="{FF2B5EF4-FFF2-40B4-BE49-F238E27FC236}">
-                <a16:creationId xmlns:a16="http://schemas.microsoft.com/office/drawing/2014/main" id="{F9097680-E0E9-4F2E-82EC-F95A02402FB7}"/>
+                <a16:creationId xmlns:a16="http://schemas.microsoft.com/office/drawing/2014/main" id="{4F4A84DF-7ED1-4AAE-9035-9C31AB43ADDD}"/>
               </a:ext>
             </a:extLst>
           </p:cNvPr>
@@ -514,7 +514,7 @@
             </a:lvl1pPr>
           </a:lstStyle>
           <a:p>
-            <a:fld id="{C9408EA7-0114-4769-83D6-4476FB1B971A}" type="slidenum">
+            <a:fld id="{795A05BC-47A0-4DF7-BF2B-23CAEC0CAF1F}" type="slidenum">
               <a:rPr lang="ru-RU" smtClean="0"/>
               <a:t>‹#›</a:t>
             </a:fld>
@@ -525,7 +525,7 @@
     </p:spTree>
     <p:extLst>
       <p:ext uri="{BB962C8B-B14F-4D97-AF65-F5344CB8AC3E}">
-        <p14:creationId xmlns:p14="http://schemas.microsoft.com/office/powerpoint/2010/main" val="3006544383"/>
+        <p14:creationId xmlns:p14="http://schemas.microsoft.com/office/powerpoint/2010/main" val="3487200313"/>
       </p:ext>
     </p:extLst>
   </p:cSld>
@@ -844,7 +844,7 @@
           <p:cNvPr id="2" name="Заголовок 1" hidden="1">
             <a:extLst>
               <a:ext uri="{FF2B5EF4-FFF2-40B4-BE49-F238E27FC236}">
-                <a16:creationId xmlns:a16="http://schemas.microsoft.com/office/drawing/2014/main" id="{62DB8F49-ACDF-4E27-B138-0F6F9030B325}"/>
+                <a16:creationId xmlns:a16="http://schemas.microsoft.com/office/drawing/2014/main" id="{76AAA367-E20E-4147-806A-773EE93D0642}"/>
               </a:ext>
             </a:extLst>
           </p:cNvPr>
@@ -888,7 +888,7 @@
           <p:cNvPr id="3" name="Рисунок 2">
             <a:extLst>
               <a:ext uri="{FF2B5EF4-FFF2-40B4-BE49-F238E27FC236}">
-                <a16:creationId xmlns:a16="http://schemas.microsoft.com/office/drawing/2014/main" id="{E7F451AA-385D-4A31-B6BD-799B696A4573}"/>
+                <a16:creationId xmlns:a16="http://schemas.microsoft.com/office/drawing/2014/main" id="{DEABEB4C-13FB-432E-AF1C-5A504C1F0B61}"/>
               </a:ext>
             </a:extLst>
           </p:cNvPr>
@@ -914,7 +914,7 @@
     </p:spTree>
     <p:extLst>
       <p:ext uri="{BB962C8B-B14F-4D97-AF65-F5344CB8AC3E}">
-        <p14:creationId xmlns:p14="http://schemas.microsoft.com/office/powerpoint/2010/main" val="2755496099"/>
+        <p14:creationId xmlns:p14="http://schemas.microsoft.com/office/powerpoint/2010/main" val="2674088995"/>
       </p:ext>
     </p:extLst>
   </p:cSld>
@@ -964,7 +964,7 @@
           <p:cNvPr id="2" name="Заголовок 1" hidden="1">
             <a:extLst>
               <a:ext uri="{FF2B5EF4-FFF2-40B4-BE49-F238E27FC236}">
-                <a16:creationId xmlns:a16="http://schemas.microsoft.com/office/drawing/2014/main" id="{14921058-C3C4-4FAA-84D2-31053532FFD3}"/>
+                <a16:creationId xmlns:a16="http://schemas.microsoft.com/office/drawing/2014/main" id="{3B525525-DECA-4CFF-879B-2850434710D8}"/>
               </a:ext>
             </a:extLst>
           </p:cNvPr>
@@ -989,7 +989,7 @@
           <p:cNvPr id="3" name="Рисунок 2">
             <a:extLst>
               <a:ext uri="{FF2B5EF4-FFF2-40B4-BE49-F238E27FC236}">
-                <a16:creationId xmlns:a16="http://schemas.microsoft.com/office/drawing/2014/main" id="{DD21C7BD-EB43-49E3-98B8-FF6EDDE86F95}"/>
+                <a16:creationId xmlns:a16="http://schemas.microsoft.com/office/drawing/2014/main" id="{7B8B6D97-4242-41EA-B4A8-83645E9CFB87}"/>
               </a:ext>
             </a:extLst>
           </p:cNvPr>
@@ -1015,7 +1015,7 @@
     </p:spTree>
     <p:extLst>
       <p:ext uri="{BB962C8B-B14F-4D97-AF65-F5344CB8AC3E}">
-        <p14:creationId xmlns:p14="http://schemas.microsoft.com/office/powerpoint/2010/main" val="935350853"/>
+        <p14:creationId xmlns:p14="http://schemas.microsoft.com/office/powerpoint/2010/main" val="2939261453"/>
       </p:ext>
     </p:extLst>
   </p:cSld>
@@ -1065,7 +1065,7 @@
           <p:cNvPr id="2" name="Заголовок 1" hidden="1">
             <a:extLst>
               <a:ext uri="{FF2B5EF4-FFF2-40B4-BE49-F238E27FC236}">
-                <a16:creationId xmlns:a16="http://schemas.microsoft.com/office/drawing/2014/main" id="{9EF5D014-BC8A-422F-9DCF-437EFA90A6DB}"/>
+                <a16:creationId xmlns:a16="http://schemas.microsoft.com/office/drawing/2014/main" id="{B48A1EF2-974D-473B-9E75-B68B281BBEE7}"/>
               </a:ext>
             </a:extLst>
           </p:cNvPr>
@@ -1090,7 +1090,7 @@
           <p:cNvPr id="3" name="Рисунок 2">
             <a:extLst>
               <a:ext uri="{FF2B5EF4-FFF2-40B4-BE49-F238E27FC236}">
-                <a16:creationId xmlns:a16="http://schemas.microsoft.com/office/drawing/2014/main" id="{DB40893C-8C32-4B89-8AF6-84A6CE54E28A}"/>
+                <a16:creationId xmlns:a16="http://schemas.microsoft.com/office/drawing/2014/main" id="{9F9CB0F0-8721-4E7D-935C-43A12ABEE29E}"/>
               </a:ext>
             </a:extLst>
           </p:cNvPr>
@@ -1116,7 +1116,7 @@
     </p:spTree>
     <p:extLst>
       <p:ext uri="{BB962C8B-B14F-4D97-AF65-F5344CB8AC3E}">
-        <p14:creationId xmlns:p14="http://schemas.microsoft.com/office/powerpoint/2010/main" val="3210758495"/>
+        <p14:creationId xmlns:p14="http://schemas.microsoft.com/office/powerpoint/2010/main" val="1377653163"/>
       </p:ext>
     </p:extLst>
   </p:cSld>
@@ -1166,7 +1166,7 @@
           <p:cNvPr id="2" name="Заголовок 1" hidden="1">
             <a:extLst>
               <a:ext uri="{FF2B5EF4-FFF2-40B4-BE49-F238E27FC236}">
-                <a16:creationId xmlns:a16="http://schemas.microsoft.com/office/drawing/2014/main" id="{E2EC04D1-2C23-45EF-A2BE-C2FEF9132BCF}"/>
+                <a16:creationId xmlns:a16="http://schemas.microsoft.com/office/drawing/2014/main" id="{5BBF429F-FDAD-44C8-8609-99737C8CF245}"/>
               </a:ext>
             </a:extLst>
           </p:cNvPr>
@@ -1215,7 +1215,7 @@
           <p:cNvPr id="3" name="Рисунок 2">
             <a:extLst>
               <a:ext uri="{FF2B5EF4-FFF2-40B4-BE49-F238E27FC236}">
-                <a16:creationId xmlns:a16="http://schemas.microsoft.com/office/drawing/2014/main" id="{63AF2FF0-BF73-4D89-B359-2E82CE5E81CD}"/>
+                <a16:creationId xmlns:a16="http://schemas.microsoft.com/office/drawing/2014/main" id="{8FD1DFF1-AC30-4FAD-AC3B-3450BCE007F5}"/>
               </a:ext>
             </a:extLst>
           </p:cNvPr>
@@ -1241,7 +1241,7 @@
     </p:spTree>
     <p:extLst>
       <p:ext uri="{BB962C8B-B14F-4D97-AF65-F5344CB8AC3E}">
-        <p14:creationId xmlns:p14="http://schemas.microsoft.com/office/powerpoint/2010/main" val="2470174201"/>
+        <p14:creationId xmlns:p14="http://schemas.microsoft.com/office/powerpoint/2010/main" val="1258776916"/>
       </p:ext>
     </p:extLst>
   </p:cSld>
@@ -1291,7 +1291,7 @@
           <p:cNvPr id="2" name="Заголовок 1" hidden="1">
             <a:extLst>
               <a:ext uri="{FF2B5EF4-FFF2-40B4-BE49-F238E27FC236}">
-                <a16:creationId xmlns:a16="http://schemas.microsoft.com/office/drawing/2014/main" id="{7D2A61CC-1E25-4C7E-8DFB-484BEB7B3B83}"/>
+                <a16:creationId xmlns:a16="http://schemas.microsoft.com/office/drawing/2014/main" id="{84310425-8EE8-471E-B91A-6CE6D7454843}"/>
               </a:ext>
             </a:extLst>
           </p:cNvPr>
@@ -1337,7 +1337,7 @@
           <p:cNvPr id="3" name="Рисунок 2">
             <a:extLst>
               <a:ext uri="{FF2B5EF4-FFF2-40B4-BE49-F238E27FC236}">
-                <a16:creationId xmlns:a16="http://schemas.microsoft.com/office/drawing/2014/main" id="{FCC12708-4487-4538-9762-03B2770093B5}"/>
+                <a16:creationId xmlns:a16="http://schemas.microsoft.com/office/drawing/2014/main" id="{ACEEE4FD-7A11-4616-A352-BB60091D32B5}"/>
               </a:ext>
             </a:extLst>
           </p:cNvPr>
@@ -1363,7 +1363,7 @@
     </p:spTree>
     <p:extLst>
       <p:ext uri="{BB962C8B-B14F-4D97-AF65-F5344CB8AC3E}">
-        <p14:creationId xmlns:p14="http://schemas.microsoft.com/office/powerpoint/2010/main" val="3983499579"/>
+        <p14:creationId xmlns:p14="http://schemas.microsoft.com/office/powerpoint/2010/main" val="2330990940"/>
       </p:ext>
     </p:extLst>
   </p:cSld>
@@ -1413,7 +1413,7 @@
           <p:cNvPr id="2" name="Заголовок 1" hidden="1">
             <a:extLst>
               <a:ext uri="{FF2B5EF4-FFF2-40B4-BE49-F238E27FC236}">
-                <a16:creationId xmlns:a16="http://schemas.microsoft.com/office/drawing/2014/main" id="{9838C555-0859-4DAA-A3CD-7DF169D7DF33}"/>
+                <a16:creationId xmlns:a16="http://schemas.microsoft.com/office/drawing/2014/main" id="{D34DDF2C-8CBD-4A71-A9C7-02CB1EE78057}"/>
               </a:ext>
             </a:extLst>
           </p:cNvPr>
@@ -1438,7 +1438,7 @@
           <p:cNvPr id="3" name="Рисунок 2">
             <a:extLst>
               <a:ext uri="{FF2B5EF4-FFF2-40B4-BE49-F238E27FC236}">
-                <a16:creationId xmlns:a16="http://schemas.microsoft.com/office/drawing/2014/main" id="{5F23F3DC-2BEC-4375-B731-7CB20C36020F}"/>
+                <a16:creationId xmlns:a16="http://schemas.microsoft.com/office/drawing/2014/main" id="{569C45B6-E517-423B-9ADD-64D48FE7C04D}"/>
               </a:ext>
             </a:extLst>
           </p:cNvPr>
@@ -1464,7 +1464,7 @@
     </p:spTree>
     <p:extLst>
       <p:ext uri="{BB962C8B-B14F-4D97-AF65-F5344CB8AC3E}">
-        <p14:creationId xmlns:p14="http://schemas.microsoft.com/office/powerpoint/2010/main" val="500237560"/>
+        <p14:creationId xmlns:p14="http://schemas.microsoft.com/office/powerpoint/2010/main" val="209399809"/>
       </p:ext>
     </p:extLst>
   </p:cSld>
@@ -1514,7 +1514,7 @@
           <p:cNvPr id="2" name="Заголовок 1" hidden="1">
             <a:extLst>
               <a:ext uri="{FF2B5EF4-FFF2-40B4-BE49-F238E27FC236}">
-                <a16:creationId xmlns:a16="http://schemas.microsoft.com/office/drawing/2014/main" id="{CF5A145A-5E5B-434A-8D4F-1AB1E4C6C0FD}"/>
+                <a16:creationId xmlns:a16="http://schemas.microsoft.com/office/drawing/2014/main" id="{B460B425-D4B5-4728-988D-956FE977BB8E}"/>
               </a:ext>
             </a:extLst>
           </p:cNvPr>
@@ -1539,7 +1539,7 @@
           <p:cNvPr id="3" name="Рисунок 2">
             <a:extLst>
               <a:ext uri="{FF2B5EF4-FFF2-40B4-BE49-F238E27FC236}">
-                <a16:creationId xmlns:a16="http://schemas.microsoft.com/office/drawing/2014/main" id="{F3F6060D-9C0B-41C2-8A08-16C5296FD826}"/>
+                <a16:creationId xmlns:a16="http://schemas.microsoft.com/office/drawing/2014/main" id="{7ED2D787-5C3B-4E63-BB8F-42DD113815AE}"/>
               </a:ext>
             </a:extLst>
           </p:cNvPr>
@@ -1565,7 +1565,7 @@
     </p:spTree>
     <p:extLst>
       <p:ext uri="{BB962C8B-B14F-4D97-AF65-F5344CB8AC3E}">
-        <p14:creationId xmlns:p14="http://schemas.microsoft.com/office/powerpoint/2010/main" val="1849815033"/>
+        <p14:creationId xmlns:p14="http://schemas.microsoft.com/office/powerpoint/2010/main" val="2255975779"/>
       </p:ext>
     </p:extLst>
   </p:cSld>
@@ -1615,7 +1615,7 @@
           <p:cNvPr id="2" name="Заголовок 1" hidden="1">
             <a:extLst>
               <a:ext uri="{FF2B5EF4-FFF2-40B4-BE49-F238E27FC236}">
-                <a16:creationId xmlns:a16="http://schemas.microsoft.com/office/drawing/2014/main" id="{3CDF714C-B7C4-4069-B621-F6E7A744E656}"/>
+                <a16:creationId xmlns:a16="http://schemas.microsoft.com/office/drawing/2014/main" id="{B95C8515-61F4-4563-86BB-66FCC22F56AD}"/>
               </a:ext>
             </a:extLst>
           </p:cNvPr>
@@ -1640,7 +1640,7 @@
           <p:cNvPr id="3" name="Рисунок 2">
             <a:extLst>
               <a:ext uri="{FF2B5EF4-FFF2-40B4-BE49-F238E27FC236}">
-                <a16:creationId xmlns:a16="http://schemas.microsoft.com/office/drawing/2014/main" id="{DEDDB65A-419D-4F5E-BD80-3AB872437409}"/>
+                <a16:creationId xmlns:a16="http://schemas.microsoft.com/office/drawing/2014/main" id="{06D1AFBA-0214-43B3-8679-91F067AE5432}"/>
               </a:ext>
             </a:extLst>
           </p:cNvPr>
@@ -1666,7 +1666,7 @@
     </p:spTree>
     <p:extLst>
       <p:ext uri="{BB962C8B-B14F-4D97-AF65-F5344CB8AC3E}">
-        <p14:creationId xmlns:p14="http://schemas.microsoft.com/office/powerpoint/2010/main" val="1155244557"/>
+        <p14:creationId xmlns:p14="http://schemas.microsoft.com/office/powerpoint/2010/main" val="2904060645"/>
       </p:ext>
     </p:extLst>
   </p:cSld>
@@ -1716,7 +1716,7 @@
           <p:cNvPr id="2" name="Заголовок 1" hidden="1">
             <a:extLst>
               <a:ext uri="{FF2B5EF4-FFF2-40B4-BE49-F238E27FC236}">
-                <a16:creationId xmlns:a16="http://schemas.microsoft.com/office/drawing/2014/main" id="{73DA04AE-4508-4E41-A0C7-53D1EA63C1C1}"/>
+                <a16:creationId xmlns:a16="http://schemas.microsoft.com/office/drawing/2014/main" id="{C2D68AC1-4484-4EA6-AA32-F7F85C2AD542}"/>
               </a:ext>
             </a:extLst>
           </p:cNvPr>
@@ -1741,7 +1741,7 @@
           <p:cNvPr id="3" name="Рисунок 2">
             <a:extLst>
               <a:ext uri="{FF2B5EF4-FFF2-40B4-BE49-F238E27FC236}">
-                <a16:creationId xmlns:a16="http://schemas.microsoft.com/office/drawing/2014/main" id="{4FB9B55A-DAA6-4734-8EC8-BAB4D55B7BB5}"/>
+                <a16:creationId xmlns:a16="http://schemas.microsoft.com/office/drawing/2014/main" id="{098ABFAC-8963-429B-8F41-E5A4778F8BEE}"/>
               </a:ext>
             </a:extLst>
           </p:cNvPr>
@@ -1767,7 +1767,7 @@
     </p:spTree>
     <p:extLst>
       <p:ext uri="{BB962C8B-B14F-4D97-AF65-F5344CB8AC3E}">
-        <p14:creationId xmlns:p14="http://schemas.microsoft.com/office/powerpoint/2010/main" val="2053630364"/>
+        <p14:creationId xmlns:p14="http://schemas.microsoft.com/office/powerpoint/2010/main" val="1920427359"/>
       </p:ext>
     </p:extLst>
   </p:cSld>
@@ -1817,7 +1817,7 @@
           <p:cNvPr id="2" name="Заголовок 1" hidden="1">
             <a:extLst>
               <a:ext uri="{FF2B5EF4-FFF2-40B4-BE49-F238E27FC236}">
-                <a16:creationId xmlns:a16="http://schemas.microsoft.com/office/drawing/2014/main" id="{04E98F78-BE71-4D8B-8C3D-55D315C4F966}"/>
+                <a16:creationId xmlns:a16="http://schemas.microsoft.com/office/drawing/2014/main" id="{7B336DBD-7D1B-4FB6-9A2F-30278CAC0BC1}"/>
               </a:ext>
             </a:extLst>
           </p:cNvPr>
@@ -1842,7 +1842,7 @@
           <p:cNvPr id="3" name="Рисунок 2">
             <a:extLst>
               <a:ext uri="{FF2B5EF4-FFF2-40B4-BE49-F238E27FC236}">
-                <a16:creationId xmlns:a16="http://schemas.microsoft.com/office/drawing/2014/main" id="{351DE0AF-F154-4BB9-A6BE-D09D5CEB7BDB}"/>
+                <a16:creationId xmlns:a16="http://schemas.microsoft.com/office/drawing/2014/main" id="{B106ECE7-67A2-4FE4-AFC1-39B9434FFEBD}"/>
               </a:ext>
             </a:extLst>
           </p:cNvPr>
@@ -1868,7 +1868,7 @@
     </p:spTree>
     <p:extLst>
       <p:ext uri="{BB962C8B-B14F-4D97-AF65-F5344CB8AC3E}">
-        <p14:creationId xmlns:p14="http://schemas.microsoft.com/office/powerpoint/2010/main" val="1921372710"/>
+        <p14:creationId xmlns:p14="http://schemas.microsoft.com/office/powerpoint/2010/main" val="121577528"/>
       </p:ext>
     </p:extLst>
   </p:cSld>
@@ -1918,7 +1918,7 @@
           <p:cNvPr id="2" name="Заголовок 1" hidden="1">
             <a:extLst>
               <a:ext uri="{FF2B5EF4-FFF2-40B4-BE49-F238E27FC236}">
-                <a16:creationId xmlns:a16="http://schemas.microsoft.com/office/drawing/2014/main" id="{89C93E79-41FD-4843-AD9C-F9F1BE1923DE}"/>
+                <a16:creationId xmlns:a16="http://schemas.microsoft.com/office/drawing/2014/main" id="{79EC2CFE-9ED1-47E3-9BA0-1979FD02497C}"/>
               </a:ext>
             </a:extLst>
           </p:cNvPr>
@@ -1943,7 +1943,7 @@
           <p:cNvPr id="3" name="Рисунок 2">
             <a:extLst>
               <a:ext uri="{FF2B5EF4-FFF2-40B4-BE49-F238E27FC236}">
-                <a16:creationId xmlns:a16="http://schemas.microsoft.com/office/drawing/2014/main" id="{00A51534-F0CC-4EE8-AFD7-9EC1DD60313C}"/>
+                <a16:creationId xmlns:a16="http://schemas.microsoft.com/office/drawing/2014/main" id="{B88A6127-5C97-4E0D-84CD-3844F41D9142}"/>
               </a:ext>
             </a:extLst>
           </p:cNvPr>
@@ -1969,7 +1969,7 @@
     </p:spTree>
     <p:extLst>
       <p:ext uri="{BB962C8B-B14F-4D97-AF65-F5344CB8AC3E}">
-        <p14:creationId xmlns:p14="http://schemas.microsoft.com/office/powerpoint/2010/main" val="444500781"/>
+        <p14:creationId xmlns:p14="http://schemas.microsoft.com/office/powerpoint/2010/main" val="1066582324"/>
       </p:ext>
     </p:extLst>
   </p:cSld>
